--- a/HPA_RRB_Presentation.pptx
+++ b/HPA_RRB_Presentation.pptx
@@ -17481,11 +17481,6 @@
               </a:rPr>
               <a:t>All resource are available</a:t>
             </a:r>
-            <a:endParaRPr lang="en-US" sz="2000" dirty="0" smtClean="0">
-              <a:solidFill>
-                <a:srgbClr val="FF0000"/>
-              </a:solidFill>
-            </a:endParaRPr>
           </a:p>
           <a:p>
             <a:r>
@@ -17529,21 +17524,8 @@
                   <a:srgbClr val="FF0000"/>
                 </a:solidFill>
               </a:rPr>
-              <a:t>About 20 seedling proposals will be considered. At least </a:t>
-            </a:r>
-            <a:r>
-              <a:rPr lang="en-US" sz="2000" dirty="0" smtClean="0">
-                <a:solidFill>
-                  <a:srgbClr val="FF0000"/>
-                </a:solidFill>
-              </a:rPr>
-              <a:t>1 in 20 chance of award. </a:t>
-            </a:r>
-            <a:endParaRPr lang="en-US" sz="2000" dirty="0" smtClean="0">
-              <a:solidFill>
-                <a:srgbClr val="FF0000"/>
-              </a:solidFill>
-            </a:endParaRPr>
+              <a:t>About 20 seedling proposals will be considered. At least 1 in 20 chance of award. </a:t>
+            </a:r>
           </a:p>
         </p:txBody>
       </p:sp>
@@ -19898,11 +19880,6 @@
               </a:rPr>
               <a:t>ARMD Seedling Award</a:t>
             </a:r>
-            <a:endParaRPr lang="en-US" sz="2000" dirty="0" smtClean="0">
-              <a:solidFill>
-                <a:srgbClr val="FF0000"/>
-              </a:solidFill>
-            </a:endParaRPr>
           </a:p>
           <a:p>
             <a:endParaRPr lang="en-US" sz="2000" dirty="0" smtClean="0">
@@ -19924,11 +19901,6 @@
               </a:rPr>
               <a:t>Space Act Award</a:t>
             </a:r>
-            <a:endParaRPr lang="en-US" sz="2000" dirty="0" smtClean="0">
-              <a:solidFill>
-                <a:srgbClr val="FF0000"/>
-              </a:solidFill>
-            </a:endParaRPr>
           </a:p>
           <a:p>
             <a:endParaRPr lang="en-US" sz="2000" dirty="0" smtClean="0">
@@ -19990,15 +19962,7 @@
                   <a:srgbClr val="FF0000"/>
                 </a:solidFill>
               </a:rPr>
-              <a:t>No. Space Act abstract is not worth doing unless award is actually made for this proposal. Will have tim</a:t>
-            </a:r>
-            <a:r>
-              <a:rPr lang="en-US" sz="2000" dirty="0" smtClean="0">
-                <a:solidFill>
-                  <a:srgbClr val="FF0000"/>
-                </a:solidFill>
-              </a:rPr>
-              <a:t>e to complete a space act if award is made. </a:t>
+              <a:t>No. Space Act abstract is not worth doing unless award is actually made for this proposal. Will have time to complete a space act if award is made. </a:t>
             </a:r>
             <a:endParaRPr lang="en-US" sz="2000" dirty="0">
               <a:solidFill>
@@ -20016,27 +19980,17 @@
           <a:p>
             <a:r>
               <a:rPr lang="en-US" sz="2000" dirty="0" smtClean="0"/>
-              <a:t>Org/WBS will backing the agreement</a:t>
-            </a:r>
+              <a:t>Org/WBS will backing the agreement: LTA. WBS is TBD</a:t>
+            </a:r>
+          </a:p>
+          <a:p>
+            <a:endParaRPr lang="en-US" sz="2000" dirty="0" smtClean="0"/>
+          </a:p>
+          <a:p>
             <a:r>
               <a:rPr lang="en-US" sz="2000" dirty="0" smtClean="0"/>
-              <a:t>: LTA. WBS is TBD</a:t>
-            </a:r>
-            <a:endParaRPr lang="en-US" sz="2000" dirty="0" smtClean="0"/>
-          </a:p>
-          <a:p>
-            <a:endParaRPr lang="en-US" sz="2000" dirty="0" smtClean="0"/>
-          </a:p>
-          <a:p>
-            <a:r>
-              <a:rPr lang="en-US" sz="2000" dirty="0" smtClean="0"/>
-              <a:t>Orgs that this has been coordinated with</a:t>
-            </a:r>
-            <a:r>
-              <a:rPr lang="en-US" sz="2000" dirty="0" smtClean="0"/>
-              <a:t>: N/A</a:t>
-            </a:r>
-            <a:endParaRPr lang="en-US" sz="2000" dirty="0" smtClean="0"/>
+              <a:t>Orgs that this has been coordinated with: N/A</a:t>
+            </a:r>
           </a:p>
           <a:p>
             <a:endParaRPr lang="en-US" sz="2000" dirty="0" smtClean="0"/>
@@ -20542,27 +20496,18 @@
             </a:r>
             <a:r>
               <a:rPr lang="en-US" sz="2000" dirty="0" smtClean="0"/>
-              <a:t>? </a:t>
-            </a:r>
+              <a:t>? No Feedback from HQ yet. Will go through ARMD seedling award process. </a:t>
+            </a:r>
+            <a:endParaRPr lang="en-US" sz="2000" dirty="0"/>
+          </a:p>
+          <a:p>
+            <a:endParaRPr lang="en-US" sz="2000" dirty="0" smtClean="0"/>
+          </a:p>
+          <a:p>
             <a:r>
               <a:rPr lang="en-US" sz="2000" dirty="0" smtClean="0"/>
-              <a:t>No Feedback from HQ yet. Will go through ARMD seedling award process. </a:t>
-            </a:r>
-            <a:endParaRPr lang="en-US" sz="2000" dirty="0"/>
-          </a:p>
-          <a:p>
-            <a:endParaRPr lang="en-US" sz="2000" dirty="0" smtClean="0"/>
-          </a:p>
-          <a:p>
-            <a:r>
-              <a:rPr lang="en-US" sz="2000" dirty="0" smtClean="0"/>
-              <a:t>Describe waivers, if any, to </a:t>
-            </a:r>
-            <a:r>
-              <a:rPr lang="en-US" sz="2000" dirty="0" smtClean="0"/>
-              <a:t>CMO: N/A</a:t>
-            </a:r>
-            <a:endParaRPr lang="en-US" sz="2000" dirty="0" smtClean="0"/>
+              <a:t>Describe waivers, if any, to CMO: N/A</a:t>
+            </a:r>
           </a:p>
           <a:p>
             <a:pPr marL="0" indent="0">
@@ -20585,11 +20530,7 @@
             </a:r>
             <a:r>
               <a:rPr lang="en-US" sz="2000" dirty="0" smtClean="0"/>
-              <a:t>All </a:t>
-            </a:r>
-            <a:r>
-              <a:rPr lang="en-US" sz="2000" dirty="0" smtClean="0"/>
-              <a:t>models and data will be released open source. The goal is to gain as wide a dissemination as possible of the results. There is no IP that need to be protected, other than the design of the aircraft. </a:t>
+              <a:t>All models and data will be released open source. The goal is to gain as wide a dissemination as possible of the results. There is no IP that need to be protected, other than the design of the aircraft. </a:t>
             </a:r>
             <a:r>
               <a:rPr lang="en-US" sz="2000" dirty="0" err="1" smtClean="0"/>
@@ -20599,7 +20540,6 @@
               <a:rPr lang="en-US" sz="2000" dirty="0" smtClean="0"/>
               <a:t> has already elected to release that publically. </a:t>
             </a:r>
-            <a:endParaRPr lang="en-US" sz="2000" dirty="0" smtClean="0"/>
           </a:p>
           <a:p>
             <a:endParaRPr lang="en-US" sz="2000" dirty="0">
@@ -20916,21 +20856,8 @@
                   <a:srgbClr val="FF0000"/>
                 </a:solidFill>
               </a:rPr>
-              <a:t>There are no similar efforts for human powered aircraft. But there are lots of companies working on HALE aircraft. </a:t>
-            </a:r>
-            <a:r>
-              <a:rPr lang="en-US" dirty="0" smtClean="0">
-                <a:solidFill>
-                  <a:srgbClr val="FF0000"/>
-                </a:solidFill>
-              </a:rPr>
-              <a:t>This work will be directly relevant to them. </a:t>
-            </a:r>
-            <a:endParaRPr lang="en-US" dirty="0" smtClean="0">
-              <a:solidFill>
-                <a:srgbClr val="FF0000"/>
-              </a:solidFill>
-            </a:endParaRPr>
+              <a:t>There are no similar efforts for human powered aircraft. But there are lots of companies working on HALE aircraft. This work will be directly relevant to them. </a:t>
+            </a:r>
           </a:p>
           <a:p>
             <a:r>
@@ -20959,20 +20886,11 @@
               </a:rPr>
               <a:t>NASA Langley has some aero-structural expertise, but is not heavily working with aero structural optimization. </a:t>
             </a:r>
-            <a:endParaRPr lang="en-US" dirty="0" smtClean="0">
-              <a:solidFill>
-                <a:srgbClr val="FF0000"/>
-              </a:solidFill>
-            </a:endParaRPr>
           </a:p>
           <a:p>
             <a:r>
               <a:rPr lang="en-US" dirty="0" smtClean="0"/>
-              <a:t>Is there anything that might be considered newsworthy, controversial, unorthodox or precedent-setting in this proposal partnership? Please </a:t>
-            </a:r>
-            <a:r>
-              <a:rPr lang="en-US" dirty="0" smtClean="0"/>
-              <a:t>describe</a:t>
+              <a:t>Is there anything that might be considered newsworthy, controversial, unorthodox or precedent-setting in this proposal partnership? Please describe</a:t>
             </a:r>
           </a:p>
           <a:p>
@@ -20998,13 +20916,8 @@
           <a:p>
             <a:r>
               <a:rPr lang="en-US" dirty="0" smtClean="0"/>
-              <a:t>Status of Pre-existing  or Ongoing Agreements with this Partner</a:t>
-            </a:r>
-            <a:r>
-              <a:rPr lang="en-US" dirty="0" smtClean="0"/>
-              <a:t>: N/A</a:t>
-            </a:r>
-            <a:endParaRPr lang="en-US" dirty="0" smtClean="0"/>
+              <a:t>Status of Pre-existing  or Ongoing Agreements with this Partner: N/A</a:t>
+            </a:r>
           </a:p>
           <a:p>
             <a:endParaRPr lang="en-US" dirty="0">
@@ -22111,16 +22024,7 @@
                   </a:solidFill>
                   <a:latin typeface="Calibri"/>
                 </a:rPr>
-                <a:t>Proposed Project </a:t>
-              </a:r>
-              <a:r>
-                <a:rPr lang="en-US" sz="1000" b="1" dirty="0">
-                  <a:solidFill>
-                    <a:srgbClr val="000000"/>
-                  </a:solidFill>
-                  <a:latin typeface="Calibri"/>
-                </a:rPr>
-                <a:t>Title</a:t>
+                <a:t>Proposed Project Title</a:t>
               </a:r>
               <a:r>
                 <a:rPr lang="en-US" sz="1000" b="1" dirty="0" smtClean="0">
@@ -22158,12 +22062,6 @@
                 </a:rPr>
                 <a:t>, Highly Flexible, Human Powered Aircraft</a:t>
               </a:r>
-              <a:endParaRPr lang="en-US" sz="1000" b="1" dirty="0">
-                <a:solidFill>
-                  <a:srgbClr val="000000"/>
-                </a:solidFill>
-                <a:latin typeface="Calibri"/>
-              </a:endParaRPr>
             </a:p>
             <a:p>
               <a:pPr marL="114300" indent="-114300" eaLnBrk="1" hangingPunct="1">
@@ -22640,16 +22538,7 @@
                     </a:solidFill>
                     <a:latin typeface="Calibri"/>
                   </a:rPr>
-                  <a:t>Justin Gray, Jeff Chin. </a:t>
-                </a:r>
-                <a:r>
-                  <a:rPr lang="en-US" sz="1000" dirty="0" smtClean="0">
-                    <a:solidFill>
-                      <a:srgbClr val="000000"/>
-                    </a:solidFill>
-                    <a:latin typeface="Calibri"/>
-                  </a:rPr>
-                  <a:t>Propulsion systems analysis and MDAO</a:t>
+                  <a:t>Justin Gray, Jeff Chin. Propulsion systems analysis and MDAO</a:t>
                 </a:r>
                 <a:endParaRPr lang="en-US" sz="1000" dirty="0">
                   <a:solidFill>
@@ -24967,6 +24856,36 @@
           <a:chExt cx="0" cy="0"/>
         </a:xfrm>
       </p:grpSpPr>
+      <p:pic>
+        <p:nvPicPr>
+          <p:cNvPr id="7" name="Picture 6" descr="vsp_concept_solid.png"/>
+          <p:cNvPicPr>
+            <a:picLocks noChangeAspect="1"/>
+          </p:cNvPicPr>
+          <p:nvPr/>
+        </p:nvPicPr>
+        <p:blipFill>
+          <a:blip r:embed="rId3">
+            <a:extLst>
+              <a:ext uri="{28A0092B-C50C-407E-A947-70E740481C1C}">
+                <a14:useLocalDpi xmlns:a14="http://schemas.microsoft.com/office/drawing/2010/main" val="0"/>
+              </a:ext>
+            </a:extLst>
+          </a:blip>
+          <a:stretch>
+            <a:fillRect/>
+          </a:stretch>
+        </p:blipFill>
+        <p:spPr>
+          <a:xfrm>
+            <a:off x="10256" y="1371600"/>
+            <a:ext cx="3042734" cy="4038600"/>
+          </a:xfrm>
+          <a:prstGeom prst="rect">
+            <a:avLst/>
+          </a:prstGeom>
+        </p:spPr>
+      </p:pic>
       <p:sp>
         <p:nvSpPr>
           <p:cNvPr id="2" name="Title 1"/>
@@ -24988,37 +24907,49 @@
           <a:lstStyle/>
           <a:p>
             <a:r>
-              <a:rPr lang="en-US" dirty="0">
+              <a:rPr lang="en-US" b="1" dirty="0" smtClean="0">
                 <a:solidFill>
-                  <a:srgbClr val="FF0000"/>
+                  <a:srgbClr val="000000"/>
                 </a:solidFill>
+                <a:latin typeface="Calibri"/>
               </a:rPr>
-              <a:t>Should NASA/Center pursue </a:t>
-            </a:r>
-            <a:r>
-              <a:rPr lang="en-US" dirty="0" smtClean="0">
+              <a:t>Coupled </a:t>
+            </a:r>
+            <a:r>
+              <a:rPr lang="en-US" b="1" dirty="0">
                 <a:solidFill>
-                  <a:srgbClr val="FF0000"/>
+                  <a:srgbClr val="000000"/>
                 </a:solidFill>
+                <a:latin typeface="Calibri"/>
               </a:rPr>
-              <a:t>(title) agreement </a:t>
-            </a:r>
-            <a:r>
-              <a:rPr lang="en-US" dirty="0">
+              <a:t>Aero­-Structural-Propulsive­ Design of an </a:t>
+            </a:r>
+            <a:r>
+              <a:rPr lang="en-US" b="1" dirty="0" err="1">
                 <a:solidFill>
-                  <a:srgbClr val="FF0000"/>
+                  <a:srgbClr val="000000"/>
                 </a:solidFill>
+                <a:latin typeface="Calibri"/>
               </a:rPr>
-              <a:t>with XX </a:t>
-            </a:r>
-            <a:r>
-              <a:rPr lang="en-US" dirty="0" smtClean="0">
+              <a:t>Ultra­Light</a:t>
+            </a:r>
+            <a:r>
+              <a:rPr lang="en-US" b="1" dirty="0">
                 <a:solidFill>
-                  <a:srgbClr val="FF0000"/>
+                  <a:srgbClr val="000000"/>
                 </a:solidFill>
+                <a:latin typeface="Calibri"/>
               </a:rPr>
-              <a:t>partner?</a:t>
-            </a:r>
+              <a:t>, Highly Flexible, Human Powered Aircraft</a:t>
+            </a:r>
+            <a:br>
+              <a:rPr lang="en-US" b="1" dirty="0">
+                <a:solidFill>
+                  <a:srgbClr val="000000"/>
+                </a:solidFill>
+                <a:latin typeface="Calibri"/>
+              </a:rPr>
+            </a:br>
             <a:endParaRPr lang="en-US" dirty="0">
               <a:solidFill>
                 <a:srgbClr val="FF0000"/>
@@ -25039,7 +24970,7 @@
         </p:nvSpPr>
         <p:spPr>
           <a:xfrm>
-            <a:off x="304800" y="2971800"/>
+            <a:off x="304800" y="2514600"/>
             <a:ext cx="8458200" cy="3352800"/>
           </a:xfrm>
         </p:spPr>
@@ -25048,55 +24979,109 @@
           <a:lstStyle/>
           <a:p>
             <a:r>
-              <a:rPr lang="en-US" dirty="0" smtClean="0">
+              <a:rPr lang="en-US" dirty="0" smtClean="0"/>
+              <a:t>PI: Justin Gray </a:t>
+            </a:r>
+          </a:p>
+          <a:p>
+            <a:r>
+              <a:rPr lang="en-US" dirty="0" smtClean="0"/>
+              <a:t>9/3/14</a:t>
+            </a:r>
+            <a:endParaRPr lang="en-US" dirty="0"/>
+          </a:p>
+          <a:p>
+            <a:r>
+              <a:rPr lang="en-US" sz="1800" dirty="0" smtClean="0"/>
+              <a:t>Team Members/Org</a:t>
+            </a:r>
+          </a:p>
+          <a:p>
+            <a:r>
+              <a:rPr lang="en-US" sz="1800" dirty="0" smtClean="0"/>
+              <a:t>Jeff Chin, GRC</a:t>
+            </a:r>
+          </a:p>
+          <a:p>
+            <a:r>
+              <a:rPr lang="en-US" dirty="0" smtClean="0"/>
+              <a:t>Partner </a:t>
+            </a:r>
+            <a:r>
+              <a:rPr lang="en-US" dirty="0"/>
+              <a:t>Name and Sector</a:t>
+            </a:r>
+            <a:r>
+              <a:rPr lang="en-US" dirty="0" smtClean="0"/>
+              <a:t>:</a:t>
+            </a:r>
+          </a:p>
+          <a:p>
+            <a:r>
+              <a:rPr lang="en-US" sz="1800" dirty="0" smtClean="0"/>
+              <a:t>Kevin Reynolds, NASA Ames</a:t>
+            </a:r>
+          </a:p>
+          <a:p>
+            <a:r>
+              <a:rPr lang="en-US" sz="1800" dirty="0" smtClean="0"/>
+              <a:t>Starr </a:t>
+            </a:r>
+            <a:r>
+              <a:rPr lang="en-US" sz="1800" dirty="0" err="1" smtClean="0"/>
+              <a:t>Ginn</a:t>
+            </a:r>
+            <a:r>
+              <a:rPr lang="en-US" sz="1800" dirty="0" smtClean="0"/>
+              <a:t>, NASA Armstrong </a:t>
+            </a:r>
+            <a:endParaRPr lang="en-US" sz="1800" dirty="0" smtClean="0"/>
+          </a:p>
+          <a:p>
+            <a:r>
+              <a:rPr lang="en-US" sz="1800" dirty="0"/>
+              <a:t>Juan Alonso, Stanford</a:t>
+            </a:r>
+          </a:p>
+          <a:p>
+            <a:r>
+              <a:rPr lang="en-US" sz="1800" dirty="0" smtClean="0"/>
+              <a:t>Graeme Kennedy, Georgia Tech</a:t>
+            </a:r>
+          </a:p>
+          <a:p>
+            <a:r>
+              <a:rPr lang="en-US" sz="1800" dirty="0" smtClean="0"/>
+              <a:t>Todd Reichert, </a:t>
+            </a:r>
+            <a:r>
+              <a:rPr lang="en-US" sz="1800" dirty="0" err="1" smtClean="0"/>
+              <a:t>AeroVelo</a:t>
+            </a:r>
+            <a:r>
+              <a:rPr lang="en-US" sz="1800" dirty="0" smtClean="0"/>
+              <a:t> Inc.</a:t>
+            </a:r>
+            <a:endParaRPr lang="en-US" sz="1800" dirty="0"/>
+          </a:p>
+          <a:p>
+            <a:r>
+              <a:rPr lang="en-US" sz="1800" dirty="0" smtClean="0"/>
+              <a:t>(Aircraft Design, Structural Optimization, Human Powered Vehicles</a:t>
+            </a:r>
+            <a:r>
+              <a:rPr lang="en-US" sz="1800" dirty="0" smtClean="0">
                 <a:solidFill>
                   <a:srgbClr val="FF0000"/>
                 </a:solidFill>
               </a:rPr>
-              <a:t>Team Lead(s)/Org</a:t>
-            </a:r>
-          </a:p>
-          <a:p>
-            <a:r>
-              <a:rPr lang="en-US" dirty="0" smtClean="0">
-                <a:solidFill>
-                  <a:srgbClr val="FF0000"/>
-                </a:solidFill>
-              </a:rPr>
-              <a:t>Date</a:t>
-            </a:r>
-          </a:p>
-          <a:p>
-            <a:endParaRPr lang="en-US" dirty="0"/>
-          </a:p>
-          <a:p>
-            <a:r>
-              <a:rPr lang="en-US" dirty="0" smtClean="0">
-                <a:solidFill>
-                  <a:srgbClr val="FF0000"/>
-                </a:solidFill>
-              </a:rPr>
-              <a:t>Team Members/Org</a:t>
-            </a:r>
-          </a:p>
-          <a:p>
-            <a:endParaRPr lang="en-US" dirty="0"/>
-          </a:p>
-          <a:p>
-            <a:r>
-              <a:rPr lang="en-US" dirty="0" smtClean="0"/>
-              <a:t>Partner Name and Sector:</a:t>
-            </a:r>
-          </a:p>
-          <a:p>
-            <a:r>
-              <a:rPr lang="en-US" dirty="0" smtClean="0">
-                <a:solidFill>
-                  <a:srgbClr val="FF0000"/>
-                </a:solidFill>
-              </a:rPr>
-              <a:t>Light Bulb Inc. – Advanced Energy</a:t>
-            </a:r>
+              <a:t>)</a:t>
+            </a:r>
+            <a:endParaRPr lang="en-US" sz="1800" dirty="0" smtClean="0">
+              <a:solidFill>
+                <a:srgbClr val="FF0000"/>
+              </a:solidFill>
+            </a:endParaRPr>
           </a:p>
           <a:p>
             <a:endParaRPr lang="en-US" dirty="0" smtClean="0"/>
@@ -25685,7 +25670,6 @@
               <a:rPr lang="en-US" sz="2000" dirty="0" smtClean="0"/>
               <a:t>: Propulsion Systems analysis, Multidisciplinary Design Analysis and Optimization</a:t>
             </a:r>
-            <a:endParaRPr lang="en-US" sz="2000" dirty="0" smtClean="0"/>
           </a:p>
           <a:p>
             <a:endParaRPr lang="en-US" sz="2000" dirty="0" smtClean="0"/>
@@ -25826,7 +25810,6 @@
               <a:rPr lang="en-US" sz="2000" dirty="0" smtClean="0"/>
               <a:t>, 2014. Partners need an answer ASAP. </a:t>
             </a:r>
-            <a:endParaRPr lang="en-US" sz="2000" dirty="0" smtClean="0"/>
           </a:p>
           <a:p>
             <a:r>
@@ -25846,11 +25829,7 @@
           <a:p>
             <a:r>
               <a:rPr lang="en-US" sz="2000" dirty="0" smtClean="0"/>
-              <a:t>Total Dollar Value</a:t>
-            </a:r>
-            <a:r>
-              <a:rPr lang="en-US" sz="2000" dirty="0" smtClean="0"/>
-              <a:t>: 750k</a:t>
+              <a:t>Total Dollar Value: 750k</a:t>
             </a:r>
             <a:endParaRPr lang="en-US" sz="2000" dirty="0" smtClean="0">
               <a:solidFill>
@@ -26690,11 +26669,6 @@
               </a:rPr>
               <a:t>High altitude, long endurance aircraft are of large commercial interest right now. This proposal will dramatically enhance NASA’s ability to analyze and design these kinds of aircraft, positioning us well to lead research in this emerging field moving forward. </a:t>
             </a:r>
-            <a:endParaRPr lang="en-US" dirty="0" smtClean="0">
-              <a:solidFill>
-                <a:srgbClr val="FF0000"/>
-              </a:solidFill>
-            </a:endParaRPr>
           </a:p>
           <a:p>
             <a:pPr lvl="1"/>
@@ -27195,13 +27169,8 @@
           <a:p>
             <a:r>
               <a:rPr lang="en-US" dirty="0" smtClean="0"/>
-              <a:t>Program </a:t>
-            </a:r>
-            <a:r>
-              <a:rPr lang="en-US" dirty="0" smtClean="0"/>
-              <a:t>Impact: Justin Gray and Jeff Chin are currently supporting TTT. They will reduce their assignment there during the seedling effort. </a:t>
-            </a:r>
-            <a:endParaRPr lang="en-US" dirty="0" smtClean="0"/>
+              <a:t>Program Impact: Justin Gray and Jeff Chin are currently supporting TTT. They will reduce their assignment there during the seedling effort. </a:t>
+            </a:r>
           </a:p>
           <a:p>
             <a:pPr lvl="1"/>
@@ -27257,11 +27226,7 @@
           <a:p>
             <a:r>
               <a:rPr lang="en-US" dirty="0" smtClean="0"/>
-              <a:t>Facility </a:t>
-            </a:r>
-            <a:r>
-              <a:rPr lang="en-US" dirty="0" smtClean="0"/>
-              <a:t>Impact: N/A</a:t>
+              <a:t>Facility Impact: N/A</a:t>
             </a:r>
             <a:endParaRPr lang="en-US" dirty="0">
               <a:solidFill>
@@ -27272,11 +27237,7 @@
           <a:p>
             <a:r>
               <a:rPr lang="en-US" dirty="0" smtClean="0"/>
-              <a:t>Workforce </a:t>
-            </a:r>
-            <a:r>
-              <a:rPr lang="en-US" dirty="0" smtClean="0"/>
-              <a:t>Impact: N/A</a:t>
+              <a:t>Workforce Impact: N/A</a:t>
             </a:r>
             <a:endParaRPr lang="en-US" dirty="0">
               <a:solidFill>
@@ -27287,13 +27248,8 @@
           <a:p>
             <a:r>
               <a:rPr lang="en-US" dirty="0" smtClean="0"/>
-              <a:t>Other impacts/risks</a:t>
-            </a:r>
-            <a:r>
-              <a:rPr lang="en-US" dirty="0" smtClean="0"/>
-              <a:t>? N/A</a:t>
-            </a:r>
-            <a:endParaRPr lang="en-US" dirty="0" smtClean="0"/>
+              <a:t>Other impacts/risks? N/A</a:t>
+            </a:r>
           </a:p>
         </p:txBody>
       </p:sp>

--- a/HPA_RRB_Presentation.pptx
+++ b/HPA_RRB_Presentation.pptx
@@ -1923,7 +1923,7 @@
   <p:timing>
     <p:tnLst>
       <p:par>
-        <p:cTn xmlns:p14="http://schemas.microsoft.com/office/powerpoint/2010/main" id="1" dur="indefinite" restart="never" nodeType="tmRoot"/>
+        <p:cTn id="1" dur="indefinite" restart="never" nodeType="tmRoot"/>
       </p:par>
     </p:tnLst>
   </p:timing>
@@ -4346,7 +4346,7 @@
   <p:timing>
     <p:tnLst>
       <p:par>
-        <p:cTn xmlns:p14="http://schemas.microsoft.com/office/powerpoint/2010/main" id="1" dur="indefinite" restart="never" nodeType="tmRoot"/>
+        <p:cTn id="1" dur="indefinite" restart="never" nodeType="tmRoot"/>
       </p:par>
     </p:tnLst>
   </p:timing>
@@ -5824,7 +5824,7 @@
   <p:timing>
     <p:tnLst>
       <p:par>
-        <p:cTn xmlns:p14="http://schemas.microsoft.com/office/powerpoint/2010/main" id="1" dur="indefinite" restart="never" nodeType="tmRoot"/>
+        <p:cTn id="1" dur="indefinite" restart="never" nodeType="tmRoot"/>
       </p:par>
     </p:tnLst>
   </p:timing>
@@ -8850,7 +8850,7 @@
   <p:timing>
     <p:tnLst>
       <p:par>
-        <p:cTn xmlns:p14="http://schemas.microsoft.com/office/powerpoint/2010/main" id="1" dur="indefinite" restart="never" nodeType="tmRoot"/>
+        <p:cTn id="1" dur="indefinite" restart="never" nodeType="tmRoot"/>
       </p:par>
     </p:tnLst>
   </p:timing>
@@ -9256,7 +9256,7 @@
           <p:nvPr/>
         </p:nvPicPr>
         <p:blipFill>
-          <a:blip r:embed="rId3">
+          <a:blip r:embed="rId3" cstate="print">
             <a:extLst>
               <a:ext uri="{28A0092B-C50C-407E-A947-70E740481C1C}">
                 <a14:useLocalDpi xmlns:a14="http://schemas.microsoft.com/office/drawing/2010/main" val="0"/>
@@ -9515,7 +9515,7 @@
   <p:timing>
     <p:tnLst>
       <p:par>
-        <p:cTn xmlns:p14="http://schemas.microsoft.com/office/powerpoint/2010/main" id="1" dur="indefinite" restart="never" nodeType="tmRoot"/>
+        <p:cTn id="1" dur="indefinite" restart="never" nodeType="tmRoot"/>
       </p:par>
     </p:tnLst>
   </p:timing>
@@ -9843,22 +9843,22 @@
                   <a:t>Reimbursement Type: </a:t>
                 </a:r>
                 <a:r>
-                  <a:rPr lang="en-US" sz="1000" dirty="0">
-                    <a:solidFill>
-                      <a:srgbClr val="000000"/>
-                    </a:solidFill>
-                    <a:latin typeface="Calibri"/>
-                  </a:rPr>
-                  <a:t>Reimbursable, Partial, Non-reimbursable</a:t>
-                </a:r>
-                <a:r>
                   <a:rPr lang="en-US" sz="1000" b="1" dirty="0">
                     <a:solidFill>
                       <a:srgbClr val="000000"/>
                     </a:solidFill>
                     <a:latin typeface="Calibri"/>
                   </a:rPr>
-                  <a:t> </a:t>
+                  <a:t>N</a:t>
+                </a:r>
+                <a:r>
+                  <a:rPr lang="en-US" sz="1000" b="1" dirty="0" smtClean="0">
+                    <a:solidFill>
+                      <a:srgbClr val="000000"/>
+                    </a:solidFill>
+                    <a:latin typeface="Calibri"/>
+                  </a:rPr>
+                  <a:t>/A</a:t>
                 </a:r>
               </a:p>
               <a:p>
@@ -9873,13 +9873,22 @@
                   <a:buChar char="§"/>
                 </a:pPr>
                 <a:r>
+                  <a:rPr lang="en-US" sz="1000" b="1" dirty="0" smtClean="0">
+                    <a:solidFill>
+                      <a:srgbClr val="000000"/>
+                    </a:solidFill>
+                    <a:latin typeface="Calibri"/>
+                  </a:rPr>
+                  <a:t>Type </a:t>
+                </a:r>
+                <a:r>
                   <a:rPr lang="en-US" sz="1000" b="1" dirty="0">
                     <a:solidFill>
                       <a:srgbClr val="000000"/>
                     </a:solidFill>
                     <a:latin typeface="Calibri"/>
                   </a:rPr>
-                  <a:t>Type of Proposed Agreement: </a:t>
+                  <a:t>of Proposed Agreement: </a:t>
                 </a:r>
                 <a:r>
                   <a:rPr lang="en-US" sz="1000" dirty="0">
@@ -9897,7 +9906,16 @@
                     </a:solidFill>
                     <a:latin typeface="Calibri"/>
                   </a:rPr>
-                  <a:t>) N/A</a:t>
+                  <a:t>) </a:t>
+                </a:r>
+                <a:r>
+                  <a:rPr lang="en-US" sz="1000" dirty="0" smtClean="0">
+                    <a:solidFill>
+                      <a:srgbClr val="000000"/>
+                    </a:solidFill>
+                    <a:latin typeface="Calibri"/>
+                  </a:rPr>
+                  <a:t>Program with SAA</a:t>
                 </a:r>
                 <a:endParaRPr lang="en-US" sz="1000" dirty="0">
                   <a:solidFill>
@@ -11283,14 +11301,14 @@
           </a:ln>
           <a:effectLst/>
           <a:extLst>
-            <a:ext uri="{909E8E84-426E-40dd-AFC4-6F175D3DCCD1}">
+            <a:ext uri="{909E8E84-426E-40DD-AFC4-6F175D3DCCD1}">
               <a14:hiddenFill xmlns:a14="http://schemas.microsoft.com/office/drawing/2010/main">
                 <a:solidFill>
                   <a:schemeClr val="accent1"/>
                 </a:solidFill>
               </a14:hiddenFill>
             </a:ext>
-            <a:ext uri="{91240B29-F687-4f45-9708-019B960494DF}">
+            <a:ext uri="{91240B29-F687-4F45-9708-019B960494DF}">
               <a14:hiddenLine xmlns:a14="http://schemas.microsoft.com/office/drawing/2010/main" w="9525">
                 <a:solidFill>
                   <a:schemeClr val="tx1"/>
@@ -11300,7 +11318,7 @@
                 <a:tailEnd/>
               </a14:hiddenLine>
             </a:ext>
-            <a:ext uri="{AF507438-7753-43e0-B8FC-AC1667EBCBE1}">
+            <a:ext uri="{AF507438-7753-43E0-B8FC-AC1667EBCBE1}">
               <a14:hiddenEffects xmlns:a14="http://schemas.microsoft.com/office/drawing/2010/main">
                 <a:effectLst>
                   <a:outerShdw dist="35921" dir="2700000" algn="ctr" rotWithShape="0">
@@ -11493,13 +11511,13 @@
               <a:t>Successful completion of the goals of the proposal will result in achieving a major aviation </a:t>
             </a:r>
             <a:r>
-              <a:rPr lang="en-US" sz="1000" dirty="0" err="1" smtClean="0">
+              <a:rPr lang="en-US" sz="1000" dirty="0" smtClean="0">
                 <a:solidFill>
                   <a:srgbClr val="000000"/>
                 </a:solidFill>
                 <a:latin typeface="Calibri"/>
               </a:rPr>
-              <a:t>Mileston</a:t>
+              <a:t>Milestone, </a:t>
             </a:r>
             <a:r>
               <a:rPr lang="en-US" sz="1000" dirty="0" smtClean="0">
@@ -11508,7 +11526,7 @@
                 </a:solidFill>
                 <a:latin typeface="Calibri"/>
               </a:rPr>
-              <a:t>, the Kremer Marathon Challenge. </a:t>
+              <a:t>the Kremer Marathon Challenge. </a:t>
             </a:r>
             <a:endParaRPr lang="en-US" sz="1000" dirty="0">
               <a:solidFill>
@@ -11670,7 +11688,7 @@
           <p:nvPr/>
         </p:nvPicPr>
         <p:blipFill>
-          <a:blip r:embed="rId5">
+          <a:blip r:embed="rId5" cstate="print">
             <a:extLst>
               <a:ext uri="{28A0092B-C50C-407E-A947-70E740481C1C}">
                 <a14:useLocalDpi xmlns:a14="http://schemas.microsoft.com/office/drawing/2010/main" val="0"/>
@@ -11707,7 +11725,7 @@
   <p:timing>
     <p:tnLst>
       <p:par>
-        <p:cTn xmlns:p14="http://schemas.microsoft.com/office/powerpoint/2010/main" id="1" dur="indefinite" restart="never" nodeType="tmRoot"/>
+        <p:cTn id="1" dur="indefinite" restart="never" nodeType="tmRoot"/>
       </p:par>
     </p:tnLst>
   </p:timing>
@@ -11780,174 +11798,214 @@
             </a:r>
             <a:r>
               <a:rPr lang="en-US" sz="2000" dirty="0" smtClean="0"/>
-              <a:t>: Propulsion Systems analysis, Multidisciplinary Design Analysis and Optimization</a:t>
-            </a:r>
-          </a:p>
-          <a:p>
-            <a:endParaRPr lang="en-US" sz="2000" dirty="0" smtClean="0"/>
-          </a:p>
-          <a:p>
-            <a:r>
-              <a:rPr lang="en-US" sz="2000" dirty="0" smtClean="0"/>
-              <a:t>Description of proposed partnership</a:t>
-            </a:r>
-            <a:endParaRPr lang="en-US" sz="2000" dirty="0"/>
-          </a:p>
-          <a:p>
-            <a:pPr lvl="1"/>
+              <a:t>: </a:t>
+            </a:r>
             <a:r>
               <a:rPr lang="en-US" sz="2000" dirty="0" smtClean="0">
                 <a:solidFill>
                   <a:srgbClr val="FF0000"/>
                 </a:solidFill>
               </a:rPr>
-              <a:t>NASA will team up with </a:t>
-            </a:r>
-            <a:r>
-              <a:rPr lang="en-US" sz="2000" dirty="0" err="1" smtClean="0">
-                <a:solidFill>
-                  <a:srgbClr val="FF0000"/>
-                </a:solidFill>
-              </a:rPr>
-              <a:t>AeroVelo</a:t>
-            </a:r>
-            <a:r>
-              <a:rPr lang="en-US" sz="2000" dirty="0" smtClean="0">
-                <a:solidFill>
-                  <a:srgbClr val="FF0000"/>
-                </a:solidFill>
-              </a:rPr>
-              <a:t> </a:t>
-            </a:r>
-            <a:r>
-              <a:rPr lang="en-US" sz="2000" dirty="0" err="1" smtClean="0">
-                <a:solidFill>
-                  <a:srgbClr val="FF0000"/>
-                </a:solidFill>
-              </a:rPr>
-              <a:t>Inc</a:t>
-            </a:r>
-            <a:r>
-              <a:rPr lang="en-US" sz="2000" dirty="0" smtClean="0">
-                <a:solidFill>
-                  <a:srgbClr val="FF0000"/>
-                </a:solidFill>
-              </a:rPr>
-              <a:t>, Stanford, and Georgia Tech to design a human powered aircraft for the Kremer Marathon Challenge. The design will be done using </a:t>
-            </a:r>
-            <a:r>
-              <a:rPr lang="en-US" sz="2000" dirty="0" err="1" smtClean="0">
-                <a:solidFill>
-                  <a:srgbClr val="FF0000"/>
-                </a:solidFill>
-              </a:rPr>
-              <a:t>OpenMDAO</a:t>
-            </a:r>
-            <a:r>
-              <a:rPr lang="en-US" sz="2000" dirty="0">
-                <a:solidFill>
-                  <a:srgbClr val="FF0000"/>
-                </a:solidFill>
-              </a:rPr>
-              <a:t> </a:t>
-            </a:r>
-            <a:r>
-              <a:rPr lang="en-US" sz="2000" dirty="0" smtClean="0">
-                <a:solidFill>
-                  <a:srgbClr val="FF0000"/>
-                </a:solidFill>
-              </a:rPr>
-              <a:t>to couple high-fidelity CFD and FEA tools into a non-linear </a:t>
-            </a:r>
-            <a:r>
-              <a:rPr lang="en-US" sz="2000" dirty="0" err="1" smtClean="0">
-                <a:solidFill>
-                  <a:srgbClr val="FF0000"/>
-                </a:solidFill>
-              </a:rPr>
-              <a:t>aerostructural</a:t>
-            </a:r>
-            <a:r>
-              <a:rPr lang="en-US" sz="2000" dirty="0">
-                <a:solidFill>
-                  <a:srgbClr val="FF0000"/>
-                </a:solidFill>
-              </a:rPr>
-              <a:t> </a:t>
-            </a:r>
-            <a:r>
-              <a:rPr lang="en-US" sz="2000" dirty="0" smtClean="0">
-                <a:solidFill>
-                  <a:srgbClr val="FF0000"/>
-                </a:solidFill>
-              </a:rPr>
-              <a:t>aircraft model. This model will be used by </a:t>
-            </a:r>
-            <a:r>
-              <a:rPr lang="en-US" sz="2000" dirty="0" err="1" smtClean="0">
-                <a:solidFill>
-                  <a:srgbClr val="FF0000"/>
-                </a:solidFill>
-              </a:rPr>
-              <a:t>AeroVelo</a:t>
-            </a:r>
-            <a:r>
-              <a:rPr lang="en-US" sz="2000" dirty="0" smtClean="0">
-                <a:solidFill>
-                  <a:srgbClr val="FF0000"/>
-                </a:solidFill>
-              </a:rPr>
-              <a:t> to complete the detailed design and the build and fly the actual aircraft. </a:t>
-            </a:r>
-            <a:endParaRPr lang="en-US" sz="2000" dirty="0" smtClean="0"/>
-          </a:p>
-          <a:p>
-            <a:r>
-              <a:rPr lang="en-US" sz="2000" dirty="0" smtClean="0"/>
-              <a:t>Proposal </a:t>
-            </a:r>
-            <a:r>
-              <a:rPr lang="en-US" sz="2000" dirty="0"/>
-              <a:t>due </a:t>
-            </a:r>
-            <a:r>
-              <a:rPr lang="en-US" sz="2000" dirty="0" smtClean="0"/>
-              <a:t>by: September 8</a:t>
-            </a:r>
-            <a:r>
-              <a:rPr lang="en-US" sz="2000" baseline="30000" dirty="0" smtClean="0"/>
-              <a:t>th</a:t>
-            </a:r>
-            <a:r>
-              <a:rPr lang="en-US" sz="2000" dirty="0" smtClean="0"/>
-              <a:t>, 2014. Partners need an answer ASAP. </a:t>
-            </a:r>
-          </a:p>
-          <a:p>
-            <a:r>
-              <a:rPr lang="en-US" sz="2000" dirty="0" smtClean="0"/>
-              <a:t>Duration: </a:t>
-            </a:r>
-            <a:r>
-              <a:rPr lang="en-US" sz="2000" dirty="0" smtClean="0">
-                <a:solidFill>
-                  <a:srgbClr val="FF0000"/>
-                </a:solidFill>
-              </a:rPr>
-              <a:t>10/30/2014 – 10/30/2015</a:t>
-            </a:r>
-            <a:endParaRPr lang="en-US" sz="2000" dirty="0" smtClean="0"/>
-          </a:p>
-          <a:p>
-            <a:r>
-              <a:rPr lang="en-US" sz="2000" dirty="0" smtClean="0"/>
-              <a:t>Total Dollar Value: 750k</a:t>
-            </a:r>
+              <a:t>Propulsion Systems analysis, Multidisciplinary Design Analysis and Optimization</a:t>
+            </a:r>
+          </a:p>
+          <a:p>
             <a:endParaRPr lang="en-US" sz="2000" dirty="0" smtClean="0">
               <a:solidFill>
                 <a:srgbClr val="FF0000"/>
               </a:solidFill>
             </a:endParaRPr>
+          </a:p>
+          <a:p>
+            <a:r>
+              <a:rPr lang="en-US" sz="2000" dirty="0" smtClean="0"/>
+              <a:t>Description of proposed partnership</a:t>
+            </a:r>
+            <a:endParaRPr lang="en-US" sz="2000" dirty="0"/>
+          </a:p>
+          <a:p>
+            <a:pPr lvl="1"/>
+            <a:r>
+              <a:rPr lang="en-US" sz="2000" dirty="0" smtClean="0">
+                <a:solidFill>
+                  <a:srgbClr val="FF0000"/>
+                </a:solidFill>
+              </a:rPr>
+              <a:t>NASA will team up with </a:t>
+            </a:r>
+            <a:r>
+              <a:rPr lang="en-US" sz="2000" dirty="0" err="1" smtClean="0">
+                <a:solidFill>
+                  <a:srgbClr val="FF0000"/>
+                </a:solidFill>
+              </a:rPr>
+              <a:t>AeroVelo</a:t>
+            </a:r>
+            <a:r>
+              <a:rPr lang="en-US" sz="2000" dirty="0" smtClean="0">
+                <a:solidFill>
+                  <a:srgbClr val="FF0000"/>
+                </a:solidFill>
+              </a:rPr>
+              <a:t> </a:t>
+            </a:r>
+            <a:r>
+              <a:rPr lang="en-US" sz="2000" dirty="0" err="1" smtClean="0">
+                <a:solidFill>
+                  <a:srgbClr val="FF0000"/>
+                </a:solidFill>
+              </a:rPr>
+              <a:t>Inc</a:t>
+            </a:r>
+            <a:r>
+              <a:rPr lang="en-US" sz="2000" dirty="0" smtClean="0">
+                <a:solidFill>
+                  <a:srgbClr val="FF0000"/>
+                </a:solidFill>
+              </a:rPr>
+              <a:t>, Stanford, and Georgia Tech to design a human powered aircraft for the Kremer Marathon Challenge. The design will be done using </a:t>
+            </a:r>
+            <a:r>
+              <a:rPr lang="en-US" sz="2000" dirty="0" err="1" smtClean="0">
+                <a:solidFill>
+                  <a:srgbClr val="FF0000"/>
+                </a:solidFill>
+              </a:rPr>
+              <a:t>OpenMDAO</a:t>
+            </a:r>
+            <a:r>
+              <a:rPr lang="en-US" sz="2000" dirty="0">
+                <a:solidFill>
+                  <a:srgbClr val="FF0000"/>
+                </a:solidFill>
+              </a:rPr>
+              <a:t> </a:t>
+            </a:r>
+            <a:r>
+              <a:rPr lang="en-US" sz="2000" dirty="0" smtClean="0">
+                <a:solidFill>
+                  <a:srgbClr val="FF0000"/>
+                </a:solidFill>
+              </a:rPr>
+              <a:t>to couple high-fidelity CFD and FEA tools into a non-linear </a:t>
+            </a:r>
+            <a:r>
+              <a:rPr lang="en-US" sz="2000" dirty="0" err="1" smtClean="0">
+                <a:solidFill>
+                  <a:srgbClr val="FF0000"/>
+                </a:solidFill>
+              </a:rPr>
+              <a:t>aerostructural</a:t>
+            </a:r>
+            <a:r>
+              <a:rPr lang="en-US" sz="2000" dirty="0">
+                <a:solidFill>
+                  <a:srgbClr val="FF0000"/>
+                </a:solidFill>
+              </a:rPr>
+              <a:t> </a:t>
+            </a:r>
+            <a:r>
+              <a:rPr lang="en-US" sz="2000" dirty="0" smtClean="0">
+                <a:solidFill>
+                  <a:srgbClr val="FF0000"/>
+                </a:solidFill>
+              </a:rPr>
+              <a:t>aircraft model. This model will be used by </a:t>
+            </a:r>
+            <a:r>
+              <a:rPr lang="en-US" sz="2000" dirty="0" err="1" smtClean="0">
+                <a:solidFill>
+                  <a:srgbClr val="FF0000"/>
+                </a:solidFill>
+              </a:rPr>
+              <a:t>AeroVelo</a:t>
+            </a:r>
+            <a:r>
+              <a:rPr lang="en-US" sz="2000" dirty="0" smtClean="0">
+                <a:solidFill>
+                  <a:srgbClr val="FF0000"/>
+                </a:solidFill>
+              </a:rPr>
+              <a:t> to complete the detailed design and the build and fly the actual aircraft. </a:t>
+            </a:r>
+            <a:endParaRPr lang="en-US" sz="2000" dirty="0" smtClean="0"/>
+          </a:p>
+          <a:p>
+            <a:r>
+              <a:rPr lang="en-US" sz="2000" dirty="0" smtClean="0"/>
+              <a:t>Proposal </a:t>
+            </a:r>
+            <a:r>
+              <a:rPr lang="en-US" sz="2000" dirty="0"/>
+              <a:t>due </a:t>
+            </a:r>
+            <a:r>
+              <a:rPr lang="en-US" sz="2000" dirty="0" smtClean="0"/>
+              <a:t>by: </a:t>
+            </a:r>
+            <a:r>
+              <a:rPr lang="en-US" sz="2000" dirty="0" smtClean="0">
+                <a:solidFill>
+                  <a:srgbClr val="FF0000"/>
+                </a:solidFill>
+              </a:rPr>
+              <a:t>September 8</a:t>
+            </a:r>
+            <a:r>
+              <a:rPr lang="en-US" sz="2000" baseline="30000" dirty="0" smtClean="0">
+                <a:solidFill>
+                  <a:srgbClr val="FF0000"/>
+                </a:solidFill>
+              </a:rPr>
+              <a:t>th</a:t>
+            </a:r>
+            <a:r>
+              <a:rPr lang="en-US" sz="2000" dirty="0" smtClean="0">
+                <a:solidFill>
+                  <a:srgbClr val="FF0000"/>
+                </a:solidFill>
+              </a:rPr>
+              <a:t>, 2014</a:t>
+            </a:r>
+            <a:r>
+              <a:rPr lang="en-US" sz="2000" dirty="0" smtClean="0"/>
+              <a:t>. </a:t>
+            </a:r>
+            <a:endParaRPr lang="en-US" sz="2000" dirty="0" smtClean="0"/>
+          </a:p>
+          <a:p>
+            <a:r>
+              <a:rPr lang="en-US" sz="2000" dirty="0" smtClean="0"/>
+              <a:t>Duration</a:t>
+            </a:r>
+            <a:r>
+              <a:rPr lang="en-US" sz="2000" dirty="0" smtClean="0"/>
+              <a:t>: </a:t>
+            </a:r>
+            <a:r>
+              <a:rPr lang="en-US" sz="2000" dirty="0" smtClean="0">
+                <a:solidFill>
+                  <a:srgbClr val="FF0000"/>
+                </a:solidFill>
+              </a:rPr>
+              <a:t>10/30/2014 – 10/30/2015</a:t>
+            </a:r>
+            <a:endParaRPr lang="en-US" sz="2000" dirty="0" smtClean="0"/>
+          </a:p>
+          <a:p>
+            <a:r>
+              <a:rPr lang="en-US" sz="2000" dirty="0" smtClean="0"/>
+              <a:t>Total Dollar Value: </a:t>
+            </a:r>
+            <a:r>
+              <a:rPr lang="en-US" sz="2000" dirty="0" smtClean="0">
+                <a:solidFill>
+                  <a:srgbClr val="FF0000"/>
+                </a:solidFill>
+              </a:rPr>
+              <a:t>750k</a:t>
+            </a:r>
           </a:p>
           <a:p>
             <a:r>
@@ -12027,7 +12085,7 @@
           </a:prstGeom>
           <a:noFill/>
           <a:extLst>
-            <a:ext uri="{909E8E84-426E-40dd-AFC4-6F175D3DCCD1}">
+            <a:ext uri="{909E8E84-426E-40DD-AFC4-6F175D3DCCD1}">
               <a14:hiddenFill xmlns:a14="http://schemas.microsoft.com/office/drawing/2010/main">
                 <a:solidFill>
                   <a:srgbClr val="FFFFFF"/>
@@ -12068,7 +12126,7 @@
           </a:prstGeom>
           <a:noFill/>
           <a:extLst>
-            <a:ext uri="{909E8E84-426E-40dd-AFC4-6F175D3DCCD1}">
+            <a:ext uri="{909E8E84-426E-40DD-AFC4-6F175D3DCCD1}">
               <a14:hiddenFill xmlns:a14="http://schemas.microsoft.com/office/drawing/2010/main">
                 <a:solidFill>
                   <a:srgbClr val="FFFFFF"/>
@@ -12109,7 +12167,7 @@
           </a:prstGeom>
           <a:noFill/>
           <a:extLst>
-            <a:ext uri="{909E8E84-426E-40dd-AFC4-6F175D3DCCD1}">
+            <a:ext uri="{909E8E84-426E-40DD-AFC4-6F175D3DCCD1}">
               <a14:hiddenFill xmlns:a14="http://schemas.microsoft.com/office/drawing/2010/main">
                 <a:solidFill>
                   <a:srgbClr val="FFFFFF"/>
@@ -12150,7 +12208,7 @@
           </a:prstGeom>
           <a:noFill/>
           <a:extLst>
-            <a:ext uri="{909E8E84-426E-40dd-AFC4-6F175D3DCCD1}">
+            <a:ext uri="{909E8E84-426E-40DD-AFC4-6F175D3DCCD1}">
               <a14:hiddenFill xmlns:a14="http://schemas.microsoft.com/office/drawing/2010/main">
                 <a:solidFill>
                   <a:srgbClr val="FFFFFF"/>
@@ -12191,7 +12249,7 @@
           </a:prstGeom>
           <a:noFill/>
           <a:extLst>
-            <a:ext uri="{909E8E84-426E-40dd-AFC4-6F175D3DCCD1}">
+            <a:ext uri="{909E8E84-426E-40DD-AFC4-6F175D3DCCD1}">
               <a14:hiddenFill xmlns:a14="http://schemas.microsoft.com/office/drawing/2010/main">
                 <a:solidFill>
                   <a:srgbClr val="FFFFFF"/>
@@ -12232,7 +12290,7 @@
           </a:prstGeom>
           <a:noFill/>
           <a:extLst>
-            <a:ext uri="{909E8E84-426E-40dd-AFC4-6F175D3DCCD1}">
+            <a:ext uri="{909E8E84-426E-40DD-AFC4-6F175D3DCCD1}">
               <a14:hiddenFill xmlns:a14="http://schemas.microsoft.com/office/drawing/2010/main">
                 <a:solidFill>
                   <a:srgbClr val="FFFFFF"/>
@@ -12273,7 +12331,7 @@
           </a:prstGeom>
           <a:noFill/>
           <a:extLst>
-            <a:ext uri="{909E8E84-426E-40dd-AFC4-6F175D3DCCD1}">
+            <a:ext uri="{909E8E84-426E-40DD-AFC4-6F175D3DCCD1}">
               <a14:hiddenFill xmlns:a14="http://schemas.microsoft.com/office/drawing/2010/main">
                 <a:solidFill>
                   <a:srgbClr val="FFFFFF"/>
@@ -12314,7 +12372,7 @@
           </a:prstGeom>
           <a:noFill/>
           <a:extLst>
-            <a:ext uri="{909E8E84-426E-40dd-AFC4-6F175D3DCCD1}">
+            <a:ext uri="{909E8E84-426E-40DD-AFC4-6F175D3DCCD1}">
               <a14:hiddenFill xmlns:a14="http://schemas.microsoft.com/office/drawing/2010/main">
                 <a:solidFill>
                   <a:srgbClr val="FFFFFF"/>
@@ -12337,7 +12395,7 @@
   <p:timing>
     <p:tnLst>
       <p:par>
-        <p:cTn xmlns:p14="http://schemas.microsoft.com/office/powerpoint/2010/main" id="1" dur="indefinite" restart="never" nodeType="tmRoot"/>
+        <p:cTn id="1" dur="indefinite" restart="never" nodeType="tmRoot"/>
       </p:par>
     </p:tnLst>
   </p:timing>
@@ -12445,24 +12503,40 @@
           <a:p>
             <a:pPr lvl="1"/>
             <a:r>
-              <a:rPr lang="en-US" sz="2000" dirty="0" smtClean="0"/>
+              <a:rPr lang="en-US" sz="2000" dirty="0" smtClean="0">
+                <a:solidFill>
+                  <a:srgbClr val="FF0000"/>
+                </a:solidFill>
+              </a:rPr>
               <a:t>NASA Ames will handle the propeller design</a:t>
             </a:r>
           </a:p>
           <a:p>
             <a:pPr lvl="1"/>
             <a:r>
-              <a:rPr lang="en-US" sz="2000" dirty="0" smtClean="0"/>
+              <a:rPr lang="en-US" sz="2000" dirty="0" smtClean="0">
+                <a:solidFill>
+                  <a:srgbClr val="FF0000"/>
+                </a:solidFill>
+              </a:rPr>
               <a:t>Stanford will handle the aerodynamic modeling</a:t>
             </a:r>
           </a:p>
           <a:p>
             <a:pPr lvl="1"/>
             <a:r>
-              <a:rPr lang="en-US" sz="2000" dirty="0" smtClean="0"/>
+              <a:rPr lang="en-US" sz="2000" dirty="0" smtClean="0">
+                <a:solidFill>
+                  <a:srgbClr val="FF0000"/>
+                </a:solidFill>
+              </a:rPr>
               <a:t>Georgia Tech will handle the structural modeling</a:t>
             </a:r>
-            <a:endParaRPr lang="en-US" sz="2000" dirty="0"/>
+            <a:endParaRPr lang="en-US" sz="2000" dirty="0">
+              <a:solidFill>
+                <a:srgbClr val="FF0000"/>
+              </a:solidFill>
+            </a:endParaRPr>
           </a:p>
           <a:p>
             <a:pPr lvl="1"/>
@@ -12550,7 +12624,7 @@
           </a:prstGeom>
           <a:noFill/>
           <a:extLst>
-            <a:ext uri="{909E8E84-426E-40dd-AFC4-6F175D3DCCD1}">
+            <a:ext uri="{909E8E84-426E-40DD-AFC4-6F175D3DCCD1}">
               <a14:hiddenFill xmlns:a14="http://schemas.microsoft.com/office/drawing/2010/main">
                 <a:solidFill>
                   <a:srgbClr val="FFFFFF"/>
@@ -12591,7 +12665,7 @@
           </a:prstGeom>
           <a:noFill/>
           <a:extLst>
-            <a:ext uri="{909E8E84-426E-40dd-AFC4-6F175D3DCCD1}">
+            <a:ext uri="{909E8E84-426E-40DD-AFC4-6F175D3DCCD1}">
               <a14:hiddenFill xmlns:a14="http://schemas.microsoft.com/office/drawing/2010/main">
                 <a:solidFill>
                   <a:srgbClr val="FFFFFF"/>
@@ -12614,7 +12688,7 @@
   <p:timing>
     <p:tnLst>
       <p:par>
-        <p:cTn xmlns:p14="http://schemas.microsoft.com/office/powerpoint/2010/main" id="1" dur="indefinite" restart="never" nodeType="tmRoot"/>
+        <p:cTn id="1" dur="indefinite" restart="never" nodeType="tmRoot"/>
       </p:par>
     </p:tnLst>
   </p:timing>
@@ -12677,13 +12751,22 @@
           <a:lstStyle/>
           <a:p>
             <a:r>
+              <a:rPr lang="en-US" dirty="0" smtClean="0"/>
+              <a:t>Describe why GRC should pursue this work.</a:t>
+            </a:r>
+            <a:r>
               <a:rPr lang="en-US" dirty="0" smtClean="0">
                 <a:solidFill>
                   <a:srgbClr val="FF0000"/>
                 </a:solidFill>
               </a:rPr>
-              <a:t>Describe why GRC should pursue this work. Examples below.</a:t>
-            </a:r>
+              <a:t> </a:t>
+            </a:r>
+            <a:endParaRPr lang="en-US" dirty="0" smtClean="0">
+              <a:solidFill>
+                <a:srgbClr val="FF0000"/>
+              </a:solidFill>
+            </a:endParaRPr>
           </a:p>
           <a:p>
             <a:pPr lvl="1"/>
@@ -12693,7 +12776,15 @@
                   <a:srgbClr val="FF0000"/>
                 </a:solidFill>
               </a:rPr>
-              <a:t>In 2013 </a:t>
+              <a:t>In </a:t>
+            </a:r>
+            <a:r>
+              <a:rPr lang="en-US" dirty="0" smtClean="0">
+                <a:solidFill>
+                  <a:srgbClr val="FF0000"/>
+                </a:solidFill>
+              </a:rPr>
+              <a:t>2013 </a:t>
             </a:r>
             <a:r>
               <a:rPr lang="en-US" dirty="0" err="1" smtClean="0">
@@ -12728,12 +12819,12 @@
               <a:t> Prize with their Atlas Human Powered Helicopter. They would like to partner with NASA to design their next human powered aircraft. Successful completion of a major Kremer </a:t>
             </a:r>
             <a:r>
-              <a:rPr lang="en-US" dirty="0" err="1" smtClean="0">
+              <a:rPr lang="en-US" dirty="0" smtClean="0">
                 <a:solidFill>
                   <a:srgbClr val="FF0000"/>
                 </a:solidFill>
               </a:rPr>
-              <a:t>avaition</a:t>
+              <a:t>aviation </a:t>
             </a:r>
             <a:r>
               <a:rPr lang="en-US" dirty="0" smtClean="0">
@@ -12741,7 +12832,7 @@
                   <a:srgbClr val="FF0000"/>
                 </a:solidFill>
               </a:rPr>
-              <a:t> challenge will bring tremendous positive publicity to NASA and NASA’s MDAO capabilities. </a:t>
+              <a:t>challenge will bring tremendous positive publicity to NASA and NASA’s MDAO capabilities. </a:t>
             </a:r>
           </a:p>
           <a:p>
@@ -12849,7 +12940,7 @@
           </a:prstGeom>
           <a:noFill/>
           <a:extLst>
-            <a:ext uri="{909E8E84-426E-40dd-AFC4-6F175D3DCCD1}">
+            <a:ext uri="{909E8E84-426E-40DD-AFC4-6F175D3DCCD1}">
               <a14:hiddenFill xmlns:a14="http://schemas.microsoft.com/office/drawing/2010/main">
                 <a:solidFill>
                   <a:srgbClr val="FFFFFF"/>
@@ -12882,7 +12973,7 @@
         </p:blipFill>
         <p:spPr bwMode="auto">
           <a:xfrm>
-            <a:off x="779566" y="4326050"/>
+            <a:off x="764214" y="4953000"/>
             <a:ext cx="256285" cy="246811"/>
           </a:xfrm>
           <a:prstGeom prst="rect">
@@ -12890,212 +12981,7 @@
           </a:prstGeom>
           <a:noFill/>
           <a:extLst>
-            <a:ext uri="{909E8E84-426E-40dd-AFC4-6F175D3DCCD1}">
-              <a14:hiddenFill xmlns:a14="http://schemas.microsoft.com/office/drawing/2010/main">
-                <a:solidFill>
-                  <a:srgbClr val="FFFFFF"/>
-                </a:solidFill>
-              </a14:hiddenFill>
-            </a:ext>
-          </a:extLst>
-        </p:spPr>
-      </p:pic>
-      <p:pic>
-        <p:nvPicPr>
-          <p:cNvPr id="7" name="Picture 2" descr="C:\Users\stedder\AppData\Local\Microsoft\Windows\Temporary Internet Files\Content.IE5\7997MUXV\MC900437603[1].wmf"/>
-          <p:cNvPicPr>
-            <a:picLocks noChangeAspect="1" noChangeArrowheads="1"/>
-          </p:cNvPicPr>
-          <p:nvPr/>
-        </p:nvPicPr>
-        <p:blipFill>
-          <a:blip r:embed="rId4" cstate="print">
-            <a:extLst>
-              <a:ext uri="{28A0092B-C50C-407E-A947-70E740481C1C}">
-                <a14:useLocalDpi xmlns:a14="http://schemas.microsoft.com/office/drawing/2010/main" val="0"/>
-              </a:ext>
-            </a:extLst>
-          </a:blip>
-          <a:srcRect/>
-          <a:stretch>
-            <a:fillRect/>
-          </a:stretch>
-        </p:blipFill>
-        <p:spPr bwMode="auto">
-          <a:xfrm>
-            <a:off x="779566" y="3945050"/>
-            <a:ext cx="256285" cy="246811"/>
-          </a:xfrm>
-          <a:prstGeom prst="rect">
-            <a:avLst/>
-          </a:prstGeom>
-          <a:noFill/>
-          <a:extLst>
-            <a:ext uri="{909E8E84-426E-40dd-AFC4-6F175D3DCCD1}">
-              <a14:hiddenFill xmlns:a14="http://schemas.microsoft.com/office/drawing/2010/main">
-                <a:solidFill>
-                  <a:srgbClr val="FFFFFF"/>
-                </a:solidFill>
-              </a14:hiddenFill>
-            </a:ext>
-          </a:extLst>
-        </p:spPr>
-      </p:pic>
-      <p:pic>
-        <p:nvPicPr>
-          <p:cNvPr id="8" name="Picture 2" descr="C:\Users\stedder\AppData\Local\Microsoft\Windows\Temporary Internet Files\Content.IE5\7997MUXV\MC900437603[1].wmf"/>
-          <p:cNvPicPr>
-            <a:picLocks noChangeAspect="1" noChangeArrowheads="1"/>
-          </p:cNvPicPr>
-          <p:nvPr/>
-        </p:nvPicPr>
-        <p:blipFill>
-          <a:blip r:embed="rId4" cstate="print">
-            <a:extLst>
-              <a:ext uri="{28A0092B-C50C-407E-A947-70E740481C1C}">
-                <a14:useLocalDpi xmlns:a14="http://schemas.microsoft.com/office/drawing/2010/main" val="0"/>
-              </a:ext>
-            </a:extLst>
-          </a:blip>
-          <a:srcRect/>
-          <a:stretch>
-            <a:fillRect/>
-          </a:stretch>
-        </p:blipFill>
-        <p:spPr bwMode="auto">
-          <a:xfrm>
-            <a:off x="766751" y="2964808"/>
-            <a:ext cx="256285" cy="246811"/>
-          </a:xfrm>
-          <a:prstGeom prst="rect">
-            <a:avLst/>
-          </a:prstGeom>
-          <a:noFill/>
-          <a:extLst>
-            <a:ext uri="{909E8E84-426E-40dd-AFC4-6F175D3DCCD1}">
-              <a14:hiddenFill xmlns:a14="http://schemas.microsoft.com/office/drawing/2010/main">
-                <a:solidFill>
-                  <a:srgbClr val="FFFFFF"/>
-                </a:solidFill>
-              </a14:hiddenFill>
-            </a:ext>
-          </a:extLst>
-        </p:spPr>
-      </p:pic>
-      <p:pic>
-        <p:nvPicPr>
-          <p:cNvPr id="9" name="Picture 2" descr="C:\Users\stedder\AppData\Local\Microsoft\Windows\Temporary Internet Files\Content.IE5\7997MUXV\MC900437603[1].wmf"/>
-          <p:cNvPicPr>
-            <a:picLocks noChangeAspect="1" noChangeArrowheads="1"/>
-          </p:cNvPicPr>
-          <p:nvPr/>
-        </p:nvPicPr>
-        <p:blipFill>
-          <a:blip r:embed="rId4" cstate="print">
-            <a:extLst>
-              <a:ext uri="{28A0092B-C50C-407E-A947-70E740481C1C}">
-                <a14:useLocalDpi xmlns:a14="http://schemas.microsoft.com/office/drawing/2010/main" val="0"/>
-              </a:ext>
-            </a:extLst>
-          </a:blip>
-          <a:srcRect/>
-          <a:stretch>
-            <a:fillRect/>
-          </a:stretch>
-        </p:blipFill>
-        <p:spPr bwMode="auto">
-          <a:xfrm>
-            <a:off x="779438" y="2639015"/>
-            <a:ext cx="253748" cy="244366"/>
-          </a:xfrm>
-          <a:prstGeom prst="rect">
-            <a:avLst/>
-          </a:prstGeom>
-          <a:noFill/>
-          <a:extLst>
-            <a:ext uri="{909E8E84-426E-40dd-AFC4-6F175D3DCCD1}">
-              <a14:hiddenFill xmlns:a14="http://schemas.microsoft.com/office/drawing/2010/main">
-                <a:solidFill>
-                  <a:srgbClr val="FFFFFF"/>
-                </a:solidFill>
-              </a14:hiddenFill>
-            </a:ext>
-          </a:extLst>
-        </p:spPr>
-      </p:pic>
-      <p:pic>
-        <p:nvPicPr>
-          <p:cNvPr id="10" name="Picture 2" descr="C:\Users\stedder\AppData\Local\Microsoft\Windows\Temporary Internet Files\Content.IE5\7997MUXV\MC900437603[1].wmf"/>
-          <p:cNvPicPr>
-            <a:picLocks noChangeAspect="1" noChangeArrowheads="1"/>
-          </p:cNvPicPr>
-          <p:nvPr/>
-        </p:nvPicPr>
-        <p:blipFill>
-          <a:blip r:embed="rId4" cstate="print">
-            <a:extLst>
-              <a:ext uri="{28A0092B-C50C-407E-A947-70E740481C1C}">
-                <a14:useLocalDpi xmlns:a14="http://schemas.microsoft.com/office/drawing/2010/main" val="0"/>
-              </a:ext>
-            </a:extLst>
-          </a:blip>
-          <a:srcRect/>
-          <a:stretch>
-            <a:fillRect/>
-          </a:stretch>
-        </p:blipFill>
-        <p:spPr bwMode="auto">
-          <a:xfrm>
-            <a:off x="766751" y="2244634"/>
-            <a:ext cx="253748" cy="244366"/>
-          </a:xfrm>
-          <a:prstGeom prst="rect">
-            <a:avLst/>
-          </a:prstGeom>
-          <a:noFill/>
-          <a:extLst>
-            <a:ext uri="{909E8E84-426E-40dd-AFC4-6F175D3DCCD1}">
-              <a14:hiddenFill xmlns:a14="http://schemas.microsoft.com/office/drawing/2010/main">
-                <a:solidFill>
-                  <a:srgbClr val="FFFFFF"/>
-                </a:solidFill>
-              </a14:hiddenFill>
-            </a:ext>
-          </a:extLst>
-        </p:spPr>
-      </p:pic>
-      <p:pic>
-        <p:nvPicPr>
-          <p:cNvPr id="11" name="Picture 2" descr="C:\Users\stedder\AppData\Local\Microsoft\Windows\Temporary Internet Files\Content.IE5\7997MUXV\MC900437603[1].wmf"/>
-          <p:cNvPicPr>
-            <a:picLocks noChangeAspect="1" noChangeArrowheads="1"/>
-          </p:cNvPicPr>
-          <p:nvPr/>
-        </p:nvPicPr>
-        <p:blipFill>
-          <a:blip r:embed="rId4" cstate="print">
-            <a:extLst>
-              <a:ext uri="{28A0092B-C50C-407E-A947-70E740481C1C}">
-                <a14:useLocalDpi xmlns:a14="http://schemas.microsoft.com/office/drawing/2010/main" val="0"/>
-              </a:ext>
-            </a:extLst>
-          </a:blip>
-          <a:srcRect/>
-          <a:stretch>
-            <a:fillRect/>
-          </a:stretch>
-        </p:blipFill>
-        <p:spPr bwMode="auto">
-          <a:xfrm>
-            <a:off x="766751" y="1948569"/>
-            <a:ext cx="253748" cy="244366"/>
-          </a:xfrm>
-          <a:prstGeom prst="rect">
-            <a:avLst/>
-          </a:prstGeom>
-          <a:noFill/>
-          <a:extLst>
-            <a:ext uri="{909E8E84-426E-40dd-AFC4-6F175D3DCCD1}">
+            <a:ext uri="{909E8E84-426E-40DD-AFC4-6F175D3DCCD1}">
               <a14:hiddenFill xmlns:a14="http://schemas.microsoft.com/office/drawing/2010/main">
                 <a:solidFill>
                   <a:srgbClr val="FFFFFF"/>
@@ -13136,48 +13022,7 @@
           </a:prstGeom>
           <a:noFill/>
           <a:extLst>
-            <a:ext uri="{909E8E84-426E-40dd-AFC4-6F175D3DCCD1}">
-              <a14:hiddenFill xmlns:a14="http://schemas.microsoft.com/office/drawing/2010/main">
-                <a:solidFill>
-                  <a:srgbClr val="FFFFFF"/>
-                </a:solidFill>
-              </a14:hiddenFill>
-            </a:ext>
-          </a:extLst>
-        </p:spPr>
-      </p:pic>
-      <p:pic>
-        <p:nvPicPr>
-          <p:cNvPr id="13" name="Picture 5" descr="C:\Users\stedder\AppData\Local\Microsoft\Windows\Temporary Internet Files\Content.IE5\5EODKONL\MC900441708[1].png"/>
-          <p:cNvPicPr>
-            <a:picLocks noChangeAspect="1" noChangeArrowheads="1"/>
-          </p:cNvPicPr>
-          <p:nvPr/>
-        </p:nvPicPr>
-        <p:blipFill>
-          <a:blip r:embed="rId3" cstate="print">
-            <a:extLst>
-              <a:ext uri="{28A0092B-C50C-407E-A947-70E740481C1C}">
-                <a14:useLocalDpi xmlns:a14="http://schemas.microsoft.com/office/drawing/2010/main" val="0"/>
-              </a:ext>
-            </a:extLst>
-          </a:blip>
-          <a:srcRect/>
-          <a:stretch>
-            <a:fillRect/>
-          </a:stretch>
-        </p:blipFill>
-        <p:spPr bwMode="auto">
-          <a:xfrm>
-            <a:off x="766751" y="3596830"/>
-            <a:ext cx="297016" cy="297016"/>
-          </a:xfrm>
-          <a:prstGeom prst="rect">
-            <a:avLst/>
-          </a:prstGeom>
-          <a:noFill/>
-          <a:extLst>
-            <a:ext uri="{909E8E84-426E-40dd-AFC4-6F175D3DCCD1}">
+            <a:ext uri="{909E8E84-426E-40DD-AFC4-6F175D3DCCD1}">
               <a14:hiddenFill xmlns:a14="http://schemas.microsoft.com/office/drawing/2010/main">
                 <a:solidFill>
                   <a:srgbClr val="FFFFFF"/>
@@ -13200,7 +13045,7 @@
   <p:timing>
     <p:tnLst>
       <p:par>
-        <p:cTn xmlns:p14="http://schemas.microsoft.com/office/powerpoint/2010/main" id="1" dur="indefinite" restart="never" nodeType="tmRoot"/>
+        <p:cTn id="1" dur="indefinite" restart="never" nodeType="tmRoot"/>
       </p:par>
     </p:tnLst>
   </p:timing>
@@ -13263,11 +13108,7 @@
           <a:lstStyle/>
           <a:p>
             <a:r>
-              <a:rPr lang="en-US" dirty="0" smtClean="0">
-                <a:solidFill>
-                  <a:srgbClr val="FF0000"/>
-                </a:solidFill>
-              </a:rPr>
+              <a:rPr lang="en-US" dirty="0" smtClean="0"/>
               <a:t>What, if any, impact is there on existing programs and projects, or other pursuits? If yes, how are they being mitigated?</a:t>
             </a:r>
           </a:p>
@@ -13280,7 +13121,11 @@
           </a:p>
           <a:p>
             <a:r>
-              <a:rPr lang="en-US" dirty="0" smtClean="0"/>
+              <a:rPr lang="en-US" dirty="0" smtClean="0">
+                <a:solidFill>
+                  <a:srgbClr val="FF0000"/>
+                </a:solidFill>
+              </a:rPr>
               <a:t>Program Impact: Justin Gray and Jeff Chin are currently supporting TTT. They will reduce their assignment there during the seedling effort. </a:t>
             </a:r>
           </a:p>
@@ -13338,7 +13183,15 @@
           <a:p>
             <a:r>
               <a:rPr lang="en-US" dirty="0" smtClean="0"/>
-              <a:t>Facility Impact: N/A</a:t>
+              <a:t>Facility Impact: </a:t>
+            </a:r>
+            <a:r>
+              <a:rPr lang="en-US" dirty="0" smtClean="0">
+                <a:solidFill>
+                  <a:srgbClr val="FF0000"/>
+                </a:solidFill>
+              </a:rPr>
+              <a:t>N/A</a:t>
             </a:r>
             <a:endParaRPr lang="en-US" dirty="0">
               <a:solidFill>
@@ -13349,7 +13202,15 @@
           <a:p>
             <a:r>
               <a:rPr lang="en-US" dirty="0" smtClean="0"/>
-              <a:t>Workforce Impact: N/A</a:t>
+              <a:t>Workforce Impact: </a:t>
+            </a:r>
+            <a:r>
+              <a:rPr lang="en-US" dirty="0" smtClean="0">
+                <a:solidFill>
+                  <a:srgbClr val="FF0000"/>
+                </a:solidFill>
+              </a:rPr>
+              <a:t>N/A</a:t>
             </a:r>
             <a:endParaRPr lang="en-US" dirty="0">
               <a:solidFill>
@@ -13360,7 +13221,15 @@
           <a:p>
             <a:r>
               <a:rPr lang="en-US" dirty="0" smtClean="0"/>
-              <a:t>Other impacts/risks? N/A</a:t>
+              <a:t>Other impacts/risks? </a:t>
+            </a:r>
+            <a:r>
+              <a:rPr lang="en-US" dirty="0" smtClean="0">
+                <a:solidFill>
+                  <a:srgbClr val="FF0000"/>
+                </a:solidFill>
+              </a:rPr>
+              <a:t>N/A</a:t>
             </a:r>
           </a:p>
         </p:txBody>
@@ -13422,7 +13291,7 @@
           </a:prstGeom>
           <a:noFill/>
           <a:extLst>
-            <a:ext uri="{909E8E84-426E-40dd-AFC4-6F175D3DCCD1}">
+            <a:ext uri="{909E8E84-426E-40DD-AFC4-6F175D3DCCD1}">
               <a14:hiddenFill xmlns:a14="http://schemas.microsoft.com/office/drawing/2010/main">
                 <a:solidFill>
                   <a:srgbClr val="FFFFFF"/>
@@ -13445,7 +13314,7 @@
   <p:timing>
     <p:tnLst>
       <p:par>
-        <p:cTn xmlns:p14="http://schemas.microsoft.com/office/powerpoint/2010/main" id="1" dur="indefinite" restart="never" nodeType="tmRoot"/>
+        <p:cTn id="1" dur="indefinite" restart="never" nodeType="tmRoot"/>
       </p:par>
     </p:tnLst>
   </p:timing>
@@ -13526,29 +13395,8 @@
                   <a:srgbClr val="FF0000"/>
                 </a:solidFill>
               </a:rPr>
-              <a:t> </a:t>
-            </a:r>
-            <a:r>
-              <a:rPr lang="en-US" sz="2000" dirty="0" smtClean="0">
-                <a:solidFill>
-                  <a:srgbClr val="FF0000"/>
-                </a:solidFill>
-              </a:rPr>
-              <a:t>is assuming all construction costs for any test articles and for the final aircraft as well</a:t>
-            </a:r>
-            <a:r>
-              <a:rPr lang="en-US" sz="2000" dirty="0" smtClean="0">
-                <a:solidFill>
-                  <a:srgbClr val="FF0000"/>
-                </a:solidFill>
-              </a:rPr>
-              <a:t>.</a:t>
-            </a:r>
-            <a:endParaRPr lang="en-US" sz="2000" dirty="0" smtClean="0">
-              <a:solidFill>
-                <a:srgbClr val="FF0000"/>
-              </a:solidFill>
-            </a:endParaRPr>
+              <a:t> is assuming all construction costs for any test articles and for the final aircraft as well.</a:t>
+            </a:r>
           </a:p>
           <a:p>
             <a:pPr marL="0" indent="0">
@@ -13619,7 +13467,7 @@
           </a:prstGeom>
           <a:noFill/>
           <a:extLst>
-            <a:ext uri="{909E8E84-426E-40dd-AFC4-6F175D3DCCD1}">
+            <a:ext uri="{909E8E84-426E-40DD-AFC4-6F175D3DCCD1}">
               <a14:hiddenFill xmlns:a14="http://schemas.microsoft.com/office/drawing/2010/main">
                 <a:solidFill>
                   <a:srgbClr val="FFFFFF"/>
@@ -13660,7 +13508,7 @@
           </a:prstGeom>
           <a:noFill/>
           <a:extLst>
-            <a:ext uri="{909E8E84-426E-40dd-AFC4-6F175D3DCCD1}">
+            <a:ext uri="{909E8E84-426E-40DD-AFC4-6F175D3DCCD1}">
               <a14:hiddenFill xmlns:a14="http://schemas.microsoft.com/office/drawing/2010/main">
                 <a:solidFill>
                   <a:srgbClr val="FFFFFF"/>
@@ -13701,7 +13549,7 @@
           </a:prstGeom>
           <a:noFill/>
           <a:extLst>
-            <a:ext uri="{909E8E84-426E-40dd-AFC4-6F175D3DCCD1}">
+            <a:ext uri="{909E8E84-426E-40DD-AFC4-6F175D3DCCD1}">
               <a14:hiddenFill xmlns:a14="http://schemas.microsoft.com/office/drawing/2010/main">
                 <a:solidFill>
                   <a:srgbClr val="FFFFFF"/>
@@ -13754,7 +13602,7 @@
   <p:timing>
     <p:tnLst>
       <p:par>
-        <p:cTn xmlns:p14="http://schemas.microsoft.com/office/powerpoint/2010/main" id="1" dur="indefinite" restart="never" nodeType="tmRoot"/>
+        <p:cTn id="1" dur="indefinite" restart="never" nodeType="tmRoot"/>
       </p:par>
     </p:tnLst>
   </p:timing>
@@ -13861,15 +13709,7 @@
                   <a:srgbClr val="FF0000"/>
                 </a:solidFill>
               </a:rPr>
-              <a:t>Space Act </a:t>
-            </a:r>
-            <a:r>
-              <a:rPr lang="en-US" sz="2000" dirty="0" smtClean="0">
-                <a:solidFill>
-                  <a:srgbClr val="FF0000"/>
-                </a:solidFill>
-              </a:rPr>
-              <a:t>Award with </a:t>
+              <a:t>Space Act Award with </a:t>
             </a:r>
             <a:r>
               <a:rPr lang="en-US" sz="2000" dirty="0" err="1" smtClean="0">
@@ -13906,12 +13746,12 @@
               <a:t> </a:t>
             </a:r>
             <a:r>
-              <a:rPr lang="en-US" sz="2000" dirty="0" err="1" smtClean="0">
+              <a:rPr lang="en-US" sz="2000" dirty="0" smtClean="0">
                 <a:solidFill>
                   <a:srgbClr val="FF0000"/>
                 </a:solidFill>
               </a:rPr>
-              <a:t>Complted</a:t>
+              <a:t>Completed</a:t>
             </a:r>
             <a:r>
               <a:rPr lang="en-US" sz="2000" dirty="0" smtClean="0"/>
@@ -13923,11 +13763,7 @@
             </a:r>
             <a:r>
               <a:rPr lang="en-US" sz="2000" dirty="0" smtClean="0"/>
-              <a:t>: </a:t>
-            </a:r>
-            <a:r>
-              <a:rPr lang="en-US" sz="2000" dirty="0" smtClean="0"/>
-              <a:t>10%</a:t>
+              <a:t>: 10%</a:t>
             </a:r>
             <a:endParaRPr lang="en-US" sz="2000" dirty="0"/>
           </a:p>
@@ -13949,7 +13785,7 @@
                   <a:srgbClr val="FF0000"/>
                 </a:solidFill>
               </a:rPr>
-              <a:t>No. Space Act abstract is </a:t>
+              <a:t>No. Space Act abstract is required </a:t>
             </a:r>
             <a:r>
               <a:rPr lang="en-US" sz="2000" dirty="0" smtClean="0">
@@ -13957,7 +13793,15 @@
                   <a:srgbClr val="FF0000"/>
                 </a:solidFill>
               </a:rPr>
-              <a:t>required unless proposal is approved</a:t>
+              <a:t>only if </a:t>
+            </a:r>
+            <a:r>
+              <a:rPr lang="en-US" sz="2000" dirty="0" smtClean="0">
+                <a:solidFill>
+                  <a:srgbClr val="FF0000"/>
+                </a:solidFill>
+              </a:rPr>
+              <a:t>proposal is approved</a:t>
             </a:r>
             <a:endParaRPr lang="en-US" sz="2000" dirty="0">
               <a:solidFill>
@@ -13975,8 +13819,21 @@
           <a:p>
             <a:r>
               <a:rPr lang="en-US" sz="2000" dirty="0" smtClean="0"/>
-              <a:t>Org/WBS will backing the agreement: LTA. WBS is TBD</a:t>
-            </a:r>
+              <a:t>Org/WBS will backing the agreement: </a:t>
+            </a:r>
+            <a:r>
+              <a:rPr lang="en-US" sz="2000" dirty="0" smtClean="0">
+                <a:solidFill>
+                  <a:srgbClr val="FF0000"/>
+                </a:solidFill>
+              </a:rPr>
+              <a:t>ARMD</a:t>
+            </a:r>
+            <a:endParaRPr lang="en-US" sz="2000" dirty="0" smtClean="0">
+              <a:solidFill>
+                <a:srgbClr val="FF0000"/>
+              </a:solidFill>
+            </a:endParaRPr>
           </a:p>
           <a:p>
             <a:endParaRPr lang="en-US" sz="2000" dirty="0" smtClean="0"/>
@@ -13984,7 +13841,15 @@
           <a:p>
             <a:r>
               <a:rPr lang="en-US" sz="2000" dirty="0" smtClean="0"/>
-              <a:t>Orgs that this has been coordinated with: N/A</a:t>
+              <a:t>Orgs that this has been coordinated with: </a:t>
+            </a:r>
+            <a:r>
+              <a:rPr lang="en-US" sz="2000" dirty="0" smtClean="0">
+                <a:solidFill>
+                  <a:srgbClr val="FF0000"/>
+                </a:solidFill>
+              </a:rPr>
+              <a:t>N/A</a:t>
             </a:r>
           </a:p>
           <a:p>
@@ -14062,7 +13927,7 @@
           </a:prstGeom>
           <a:noFill/>
           <a:extLst>
-            <a:ext uri="{909E8E84-426E-40dd-AFC4-6F175D3DCCD1}">
+            <a:ext uri="{909E8E84-426E-40DD-AFC4-6F175D3DCCD1}">
               <a14:hiddenFill xmlns:a14="http://schemas.microsoft.com/office/drawing/2010/main">
                 <a:solidFill>
                   <a:srgbClr val="FFFFFF"/>
@@ -14103,7 +13968,7 @@
           </a:prstGeom>
           <a:noFill/>
           <a:extLst>
-            <a:ext uri="{909E8E84-426E-40dd-AFC4-6F175D3DCCD1}">
+            <a:ext uri="{909E8E84-426E-40DD-AFC4-6F175D3DCCD1}">
               <a14:hiddenFill xmlns:a14="http://schemas.microsoft.com/office/drawing/2010/main">
                 <a:solidFill>
                   <a:srgbClr val="FFFFFF"/>
@@ -14144,7 +14009,7 @@
           </a:prstGeom>
           <a:noFill/>
           <a:extLst>
-            <a:ext uri="{909E8E84-426E-40dd-AFC4-6F175D3DCCD1}">
+            <a:ext uri="{909E8E84-426E-40DD-AFC4-6F175D3DCCD1}">
               <a14:hiddenFill xmlns:a14="http://schemas.microsoft.com/office/drawing/2010/main">
                 <a:solidFill>
                   <a:srgbClr val="FFFFFF"/>
@@ -14185,7 +14050,7 @@
           </a:prstGeom>
           <a:noFill/>
           <a:extLst>
-            <a:ext uri="{909E8E84-426E-40dd-AFC4-6F175D3DCCD1}">
+            <a:ext uri="{909E8E84-426E-40DD-AFC4-6F175D3DCCD1}">
               <a14:hiddenFill xmlns:a14="http://schemas.microsoft.com/office/drawing/2010/main">
                 <a:solidFill>
                   <a:srgbClr val="FFFFFF"/>
@@ -14226,7 +14091,7 @@
           </a:prstGeom>
           <a:noFill/>
           <a:extLst>
-            <a:ext uri="{909E8E84-426E-40dd-AFC4-6F175D3DCCD1}">
+            <a:ext uri="{909E8E84-426E-40DD-AFC4-6F175D3DCCD1}">
               <a14:hiddenFill xmlns:a14="http://schemas.microsoft.com/office/drawing/2010/main">
                 <a:solidFill>
                   <a:srgbClr val="FFFFFF"/>
@@ -14267,7 +14132,7 @@
           </a:prstGeom>
           <a:noFill/>
           <a:extLst>
-            <a:ext uri="{909E8E84-426E-40dd-AFC4-6F175D3DCCD1}">
+            <a:ext uri="{909E8E84-426E-40DD-AFC4-6F175D3DCCD1}">
               <a14:hiddenFill xmlns:a14="http://schemas.microsoft.com/office/drawing/2010/main">
                 <a:solidFill>
                   <a:srgbClr val="FFFFFF"/>
@@ -14308,7 +14173,7 @@
           </a:prstGeom>
           <a:noFill/>
           <a:extLst>
-            <a:ext uri="{909E8E84-426E-40dd-AFC4-6F175D3DCCD1}">
+            <a:ext uri="{909E8E84-426E-40DD-AFC4-6F175D3DCCD1}">
               <a14:hiddenFill xmlns:a14="http://schemas.microsoft.com/office/drawing/2010/main">
                 <a:solidFill>
                   <a:srgbClr val="FFFFFF"/>
@@ -14349,7 +14214,7 @@
           </a:prstGeom>
           <a:noFill/>
           <a:extLst>
-            <a:ext uri="{909E8E84-426E-40dd-AFC4-6F175D3DCCD1}">
+            <a:ext uri="{909E8E84-426E-40DD-AFC4-6F175D3DCCD1}">
               <a14:hiddenFill xmlns:a14="http://schemas.microsoft.com/office/drawing/2010/main">
                 <a:solidFill>
                   <a:srgbClr val="FFFFFF"/>
@@ -14390,7 +14255,7 @@
           </a:prstGeom>
           <a:noFill/>
           <a:extLst>
-            <a:ext uri="{909E8E84-426E-40dd-AFC4-6F175D3DCCD1}">
+            <a:ext uri="{909E8E84-426E-40DD-AFC4-6F175D3DCCD1}">
               <a14:hiddenFill xmlns:a14="http://schemas.microsoft.com/office/drawing/2010/main">
                 <a:solidFill>
                   <a:srgbClr val="FFFFFF"/>
@@ -14413,7 +14278,7 @@
   <p:timing>
     <p:tnLst>
       <p:par>
-        <p:cTn xmlns:p14="http://schemas.microsoft.com/office/powerpoint/2010/main" id="1" dur="indefinite" restart="never" nodeType="tmRoot"/>
+        <p:cTn id="1" dur="indefinite" restart="never" nodeType="tmRoot"/>
       </p:par>
     </p:tnLst>
   </p:timing>
@@ -14491,9 +14356,21 @@
             </a:r>
             <a:r>
               <a:rPr lang="en-US" sz="2000" dirty="0" smtClean="0"/>
-              <a:t>? No Feedback from HQ yet. Will go through ARMD seedling award process. </a:t>
-            </a:r>
-            <a:endParaRPr lang="en-US" sz="2000" dirty="0"/>
+              <a:t>? </a:t>
+            </a:r>
+            <a:r>
+              <a:rPr lang="en-US" sz="2000" dirty="0" smtClean="0">
+                <a:solidFill>
+                  <a:srgbClr val="FF0000"/>
+                </a:solidFill>
+              </a:rPr>
+              <a:t>No Feedback from HQ yet. Will go through ARMD seedling award process. </a:t>
+            </a:r>
+            <a:endParaRPr lang="en-US" sz="2000" dirty="0">
+              <a:solidFill>
+                <a:srgbClr val="FF0000"/>
+              </a:solidFill>
+            </a:endParaRPr>
           </a:p>
           <a:p>
             <a:endParaRPr lang="en-US" sz="2000" dirty="0" smtClean="0"/>
@@ -14501,7 +14378,15 @@
           <a:p>
             <a:r>
               <a:rPr lang="en-US" sz="2000" dirty="0" smtClean="0"/>
-              <a:t>Describe waivers, if any, to CMO: N/A</a:t>
+              <a:t>Describe waivers, if any, to CMO: </a:t>
+            </a:r>
+            <a:r>
+              <a:rPr lang="en-US" sz="2000" dirty="0" smtClean="0">
+                <a:solidFill>
+                  <a:srgbClr val="FF0000"/>
+                </a:solidFill>
+              </a:rPr>
+              <a:t>N/A</a:t>
             </a:r>
           </a:p>
           <a:p>
@@ -14524,15 +14409,27 @@
               <a:t>IP is involved (both current and expected)? How is the IP protected? </a:t>
             </a:r>
             <a:r>
-              <a:rPr lang="en-US" sz="2000" dirty="0" smtClean="0"/>
+              <a:rPr lang="en-US" sz="2000" dirty="0" smtClean="0">
+                <a:solidFill>
+                  <a:srgbClr val="FF0000"/>
+                </a:solidFill>
+              </a:rPr>
               <a:t>All models and data will be released open source. The goal is to gain as wide a dissemination as possible of the results. There is no IP that need to be protected, other than the design of the aircraft. </a:t>
             </a:r>
             <a:r>
-              <a:rPr lang="en-US" sz="2000" dirty="0" err="1" smtClean="0"/>
+              <a:rPr lang="en-US" sz="2000" dirty="0" err="1" smtClean="0">
+                <a:solidFill>
+                  <a:srgbClr val="FF0000"/>
+                </a:solidFill>
+              </a:rPr>
               <a:t>AeroVelo</a:t>
             </a:r>
             <a:r>
-              <a:rPr lang="en-US" sz="2000" dirty="0" smtClean="0"/>
+              <a:rPr lang="en-US" sz="2000" dirty="0" smtClean="0">
+                <a:solidFill>
+                  <a:srgbClr val="FF0000"/>
+                </a:solidFill>
+              </a:rPr>
               <a:t> has already elected to release that publically. </a:t>
             </a:r>
           </a:p>
@@ -14630,7 +14527,7 @@
           </a:prstGeom>
           <a:noFill/>
           <a:extLst>
-            <a:ext uri="{909E8E84-426E-40dd-AFC4-6F175D3DCCD1}">
+            <a:ext uri="{909E8E84-426E-40DD-AFC4-6F175D3DCCD1}">
               <a14:hiddenFill xmlns:a14="http://schemas.microsoft.com/office/drawing/2010/main">
                 <a:solidFill>
                   <a:srgbClr val="FFFFFF"/>
@@ -14671,7 +14568,7 @@
           </a:prstGeom>
           <a:noFill/>
           <a:extLst>
-            <a:ext uri="{909E8E84-426E-40dd-AFC4-6F175D3DCCD1}">
+            <a:ext uri="{909E8E84-426E-40DD-AFC4-6F175D3DCCD1}">
               <a14:hiddenFill xmlns:a14="http://schemas.microsoft.com/office/drawing/2010/main">
                 <a:solidFill>
                   <a:srgbClr val="FFFFFF"/>
@@ -14712,7 +14609,7 @@
           </a:prstGeom>
           <a:noFill/>
           <a:extLst>
-            <a:ext uri="{909E8E84-426E-40dd-AFC4-6F175D3DCCD1}">
+            <a:ext uri="{909E8E84-426E-40DD-AFC4-6F175D3DCCD1}">
               <a14:hiddenFill xmlns:a14="http://schemas.microsoft.com/office/drawing/2010/main">
                 <a:solidFill>
                   <a:srgbClr val="FFFFFF"/>
@@ -14753,7 +14650,7 @@
           </a:prstGeom>
           <a:noFill/>
           <a:extLst>
-            <a:ext uri="{909E8E84-426E-40dd-AFC4-6F175D3DCCD1}">
+            <a:ext uri="{909E8E84-426E-40DD-AFC4-6F175D3DCCD1}">
               <a14:hiddenFill xmlns:a14="http://schemas.microsoft.com/office/drawing/2010/main">
                 <a:solidFill>
                   <a:srgbClr val="FFFFFF"/>
@@ -14776,7 +14673,7 @@
   <p:timing>
     <p:tnLst>
       <p:par>
-        <p:cTn xmlns:p14="http://schemas.microsoft.com/office/powerpoint/2010/main" id="1" dur="indefinite" restart="never" nodeType="tmRoot"/>
+        <p:cTn id="1" dur="indefinite" restart="never" nodeType="tmRoot"/>
       </p:par>
     </p:tnLst>
   </p:timing>
@@ -14891,12 +14788,16 @@
           <a:p>
             <a:pPr lvl="1"/>
             <a:r>
+              <a:rPr lang="en-US" dirty="0" smtClean="0">
+                <a:solidFill>
+                  <a:srgbClr val="FF0000"/>
+                </a:solidFill>
+              </a:rPr>
+              <a:t>Successful completion of a Kremer aviation challenge will bring large amounts of positive publicity to NASA. It will be newsworthy</a:t>
+            </a:r>
+            <a:r>
               <a:rPr lang="en-US" dirty="0" smtClean="0"/>
-              <a:t>Successful completion of a Kremer aviation challenge will bring large amounts of positive publicity to NASA. It will </a:t>
-            </a:r>
-            <a:r>
-              <a:rPr lang="en-US" smtClean="0"/>
-              <a:t>be newsworthy. </a:t>
+              <a:t>. </a:t>
             </a:r>
             <a:endParaRPr lang="en-US" dirty="0"/>
           </a:p>
@@ -14911,7 +14812,15 @@
           <a:p>
             <a:r>
               <a:rPr lang="en-US" dirty="0" smtClean="0"/>
-              <a:t>Status of Pre-existing  or Ongoing Agreements with this Partner: N/A</a:t>
+              <a:t>Status of Pre-existing  or Ongoing Agreements with this Partner: </a:t>
+            </a:r>
+            <a:r>
+              <a:rPr lang="en-US" dirty="0" smtClean="0">
+                <a:solidFill>
+                  <a:srgbClr val="FF0000"/>
+                </a:solidFill>
+              </a:rPr>
+              <a:t>N/A</a:t>
             </a:r>
           </a:p>
           <a:p>
@@ -14987,7 +14896,7 @@
           </a:prstGeom>
           <a:noFill/>
           <a:extLst>
-            <a:ext uri="{909E8E84-426E-40dd-AFC4-6F175D3DCCD1}">
+            <a:ext uri="{909E8E84-426E-40DD-AFC4-6F175D3DCCD1}">
               <a14:hiddenFill xmlns:a14="http://schemas.microsoft.com/office/drawing/2010/main">
                 <a:solidFill>
                   <a:srgbClr val="FFFFFF"/>
@@ -15028,7 +14937,7 @@
           </a:prstGeom>
           <a:noFill/>
           <a:extLst>
-            <a:ext uri="{909E8E84-426E-40dd-AFC4-6F175D3DCCD1}">
+            <a:ext uri="{909E8E84-426E-40DD-AFC4-6F175D3DCCD1}">
               <a14:hiddenFill xmlns:a14="http://schemas.microsoft.com/office/drawing/2010/main">
                 <a:solidFill>
                   <a:srgbClr val="FFFFFF"/>
@@ -15069,7 +14978,7 @@
           </a:prstGeom>
           <a:noFill/>
           <a:extLst>
-            <a:ext uri="{909E8E84-426E-40dd-AFC4-6F175D3DCCD1}">
+            <a:ext uri="{909E8E84-426E-40DD-AFC4-6F175D3DCCD1}">
               <a14:hiddenFill xmlns:a14="http://schemas.microsoft.com/office/drawing/2010/main">
                 <a:solidFill>
                   <a:srgbClr val="FFFFFF"/>
@@ -15110,7 +15019,7 @@
           </a:prstGeom>
           <a:noFill/>
           <a:extLst>
-            <a:ext uri="{909E8E84-426E-40dd-AFC4-6F175D3DCCD1}">
+            <a:ext uri="{909E8E84-426E-40DD-AFC4-6F175D3DCCD1}">
               <a14:hiddenFill xmlns:a14="http://schemas.microsoft.com/office/drawing/2010/main">
                 <a:solidFill>
                   <a:srgbClr val="FFFFFF"/>
@@ -15151,7 +15060,7 @@
           </a:prstGeom>
           <a:noFill/>
           <a:extLst>
-            <a:ext uri="{909E8E84-426E-40dd-AFC4-6F175D3DCCD1}">
+            <a:ext uri="{909E8E84-426E-40DD-AFC4-6F175D3DCCD1}">
               <a14:hiddenFill xmlns:a14="http://schemas.microsoft.com/office/drawing/2010/main">
                 <a:solidFill>
                   <a:srgbClr val="FFFFFF"/>
@@ -15174,7 +15083,7 @@
   <p:timing>
     <p:tnLst>
       <p:par>
-        <p:cTn xmlns:p14="http://schemas.microsoft.com/office/powerpoint/2010/main" id="1" dur="indefinite" restart="never" nodeType="tmRoot"/>
+        <p:cTn id="1" dur="indefinite" restart="never" nodeType="tmRoot"/>
       </p:par>
     </p:tnLst>
   </p:timing>
